--- a/Documents/Release 2/ReleasePräsentation2__Team04.pptx
+++ b/Documents/Release 2/ReleasePräsentation2__Team04.pptx
@@ -261,7 +261,7 @@
       <p15:sldGuideLst xmlns:p15="http://schemas.microsoft.com/office/powerpoint/2012/main"/>
     </p:ext>
     <p:ext uri="http://customooxmlschemas.google.com/">
-      <go:slidesCustomData xmlns:go="http://customooxmlschemas.google.com/" xmlns:p15="http://schemas.microsoft.com/office/powerpoint/2012/main" xmlns:p14="http://schemas.microsoft.com/office/powerpoint/2010/main" xmlns:com="http://schemas.openxmlformats.org/drawingml/2006/compatibility" xmlns:pvml="urn:schemas-microsoft-com:office:powerpoint" xmlns:v="urn:schemas-microsoft-com:vml" xmlns:o="urn:schemas-microsoft-com:office:office" xmlns:dgm="http://schemas.openxmlformats.org/drawingml/2006/diagram" xmlns:c="http://schemas.openxmlformats.org/drawingml/2006/chart" xmlns:mv="urn:schemas-microsoft-com:mac:vml" xmlns:mc="http://schemas.openxmlformats.org/markup-compatibility/2006" xmlns="" r:id="rId15" roundtripDataSignature="AMtx7mhVY14TF5ho6/tC0QF9xxEznTSx8A=="/>
+      <go:slidesCustomData xmlns="" xmlns:mc="http://schemas.openxmlformats.org/markup-compatibility/2006" xmlns:mv="urn:schemas-microsoft-com:mac:vml" xmlns:c="http://schemas.openxmlformats.org/drawingml/2006/chart" xmlns:dgm="http://schemas.openxmlformats.org/drawingml/2006/diagram" xmlns:o="urn:schemas-microsoft-com:office:office" xmlns:v="urn:schemas-microsoft-com:vml" xmlns:pvml="urn:schemas-microsoft-com:office:powerpoint" xmlns:com="http://schemas.openxmlformats.org/drawingml/2006/compatibility" xmlns:p14="http://schemas.microsoft.com/office/powerpoint/2010/main" xmlns:p15="http://schemas.microsoft.com/office/powerpoint/2012/main" xmlns:go="http://customooxmlschemas.google.com/" r:id="rId15" roundtripDataSignature="AMtx7mhVY14TF5ho6/tC0QF9xxEznTSx8A=="/>
     </p:ext>
   </p:extLst>
 </p:presentation>
@@ -26914,7 +26914,7 @@
             </a:r>
             <a:r>
               <a:rPr lang="de-AT" sz="2500" dirty="0"/>
-              <a:t> release 2</a:t>
+              <a:t> release 3</a:t>
             </a:r>
             <a:endParaRPr sz="2500" dirty="0"/>
           </a:p>

--- a/Documents/Release 2/ReleasePräsentation2__Team04.pptx
+++ b/Documents/Release 2/ReleasePräsentation2__Team04.pptx
@@ -261,7 +261,7 @@
       <p15:sldGuideLst xmlns:p15="http://schemas.microsoft.com/office/powerpoint/2012/main"/>
     </p:ext>
     <p:ext uri="http://customooxmlschemas.google.com/">
-      <go:slidesCustomData xmlns="" xmlns:mc="http://schemas.openxmlformats.org/markup-compatibility/2006" xmlns:mv="urn:schemas-microsoft-com:mac:vml" xmlns:c="http://schemas.openxmlformats.org/drawingml/2006/chart" xmlns:dgm="http://schemas.openxmlformats.org/drawingml/2006/diagram" xmlns:o="urn:schemas-microsoft-com:office:office" xmlns:v="urn:schemas-microsoft-com:vml" xmlns:pvml="urn:schemas-microsoft-com:office:powerpoint" xmlns:com="http://schemas.openxmlformats.org/drawingml/2006/compatibility" xmlns:p14="http://schemas.microsoft.com/office/powerpoint/2010/main" xmlns:p15="http://schemas.microsoft.com/office/powerpoint/2012/main" xmlns:go="http://customooxmlschemas.google.com/" r:id="rId15" roundtripDataSignature="AMtx7mhVY14TF5ho6/tC0QF9xxEznTSx8A=="/>
+      <go:slidesCustomData xmlns:go="http://customooxmlschemas.google.com/" xmlns:p15="http://schemas.microsoft.com/office/powerpoint/2012/main" xmlns:p14="http://schemas.microsoft.com/office/powerpoint/2010/main" xmlns:com="http://schemas.openxmlformats.org/drawingml/2006/compatibility" xmlns:pvml="urn:schemas-microsoft-com:office:powerpoint" xmlns:v="urn:schemas-microsoft-com:vml" xmlns:o="urn:schemas-microsoft-com:office:office" xmlns:dgm="http://schemas.openxmlformats.org/drawingml/2006/diagram" xmlns:c="http://schemas.openxmlformats.org/drawingml/2006/chart" xmlns:mv="urn:schemas-microsoft-com:mac:vml" xmlns:mc="http://schemas.openxmlformats.org/markup-compatibility/2006" xmlns="" r:id="rId15" roundtripDataSignature="AMtx7mhVY14TF5ho6/tC0QF9xxEznTSx8A=="/>
     </p:ext>
   </p:extLst>
 </p:presentation>
@@ -28170,111 +28170,66 @@
           </a:p>
         </p:txBody>
       </p:sp>
-      <p:sp>
-        <p:nvSpPr>
-          <p:cNvPr id="195" name="Google Shape;195;g73b5d5f527_0_9"/>
-          <p:cNvSpPr txBox="1">
-            <a:spLocks noGrp="1"/>
-          </p:cNvSpPr>
-          <p:nvPr>
-            <p:ph type="body" idx="3"/>
-          </p:nvPr>
-        </p:nvSpPr>
+      <p:pic>
+        <p:nvPicPr>
+          <p:cNvPr id="4" name="Grafik 3">
+            <a:extLst>
+              <a:ext uri="{FF2B5EF4-FFF2-40B4-BE49-F238E27FC236}">
+                <a16:creationId xmlns:a16="http://schemas.microsoft.com/office/drawing/2014/main" id="{A9EA060E-4013-40BD-BAE7-776D9A20A974}"/>
+              </a:ext>
+            </a:extLst>
+          </p:cNvPr>
+          <p:cNvPicPr>
+            <a:picLocks noChangeAspect="1"/>
+          </p:cNvPicPr>
+          <p:nvPr/>
+        </p:nvPicPr>
+        <p:blipFill>
+          <a:blip r:embed="rId3"/>
+          <a:stretch>
+            <a:fillRect/>
+          </a:stretch>
+        </p:blipFill>
         <p:spPr>
           <a:xfrm>
-            <a:off x="548268" y="1777395"/>
-            <a:ext cx="7925400" cy="4149900"/>
+            <a:off x="609256" y="1356180"/>
+            <a:ext cx="7925487" cy="4145639"/>
           </a:xfrm>
           <a:prstGeom prst="rect">
             <a:avLst/>
           </a:prstGeom>
-          <a:noFill/>
-          <a:ln>
-            <a:noFill/>
-          </a:ln>
         </p:spPr>
-        <p:txBody>
-          <a:bodyPr spcFirstLastPara="1" wrap="square" lIns="91425" tIns="45700" rIns="91425" bIns="45700" anchor="t" anchorCtr="0">
-            <a:noAutofit/>
-          </a:bodyPr>
-          <a:lstStyle/>
-          <a:p>
-            <a:pPr marL="457200" lvl="0" indent="-387350" algn="l" rtl="0">
-              <a:lnSpc>
-                <a:spcPct val="105000"/>
-              </a:lnSpc>
-              <a:spcBef>
-                <a:spcPts val="600"/>
-              </a:spcBef>
-              <a:spcAft>
-                <a:spcPts val="0"/>
-              </a:spcAft>
-              <a:buSzPts val="2500"/>
-              <a:buChar char="⬛"/>
-            </a:pPr>
-            <a:r>
-              <a:rPr lang="de-AT" sz="2500" i="1" dirty="0"/>
-              <a:t>Screenshot Circle CI</a:t>
-            </a:r>
-          </a:p>
-          <a:p>
-            <a:pPr marL="457200" lvl="0" indent="-387350" algn="l" rtl="0">
-              <a:lnSpc>
-                <a:spcPct val="105000"/>
-              </a:lnSpc>
-              <a:spcBef>
-                <a:spcPts val="600"/>
-              </a:spcBef>
-              <a:spcAft>
-                <a:spcPts val="0"/>
-              </a:spcAft>
-              <a:buSzPts val="2500"/>
-              <a:buChar char="⬛"/>
-            </a:pPr>
-            <a:r>
-              <a:rPr lang="de-AT" sz="2500" i="1" dirty="0"/>
-              <a:t>Maven/Test – </a:t>
-            </a:r>
-            <a:r>
-              <a:rPr lang="de-AT" sz="2500" i="1" dirty="0" err="1"/>
-              <a:t>uploads</a:t>
-            </a:r>
-            <a:r>
-              <a:rPr lang="de-AT" sz="2500" i="1" dirty="0"/>
-              <a:t>, </a:t>
-            </a:r>
-            <a:r>
-              <a:rPr lang="de-AT" sz="2500" i="1" dirty="0" err="1"/>
-              <a:t>run</a:t>
-            </a:r>
-            <a:r>
-              <a:rPr lang="de-AT" sz="2500" i="1" dirty="0"/>
-              <a:t> </a:t>
-            </a:r>
-            <a:r>
-              <a:rPr lang="de-AT" sz="2500" i="1" dirty="0" err="1"/>
-              <a:t>tests</a:t>
-            </a:r>
-            <a:r>
-              <a:rPr lang="de-AT" sz="2500" i="1" dirty="0"/>
-              <a:t>: </a:t>
-            </a:r>
-            <a:r>
-              <a:rPr lang="de-AT" sz="2500" i="1" dirty="0" err="1"/>
-              <a:t>user</a:t>
-            </a:r>
-            <a:r>
-              <a:rPr lang="de-AT" sz="2500" i="1" dirty="0"/>
-              <a:t> </a:t>
-            </a:r>
-            <a:r>
-              <a:rPr lang="de-AT" sz="2500" i="1" dirty="0" err="1"/>
-              <a:t>tests</a:t>
-            </a:r>
-            <a:endParaRPr sz="2500" i="1" dirty="0"/>
-          </a:p>
-        </p:txBody>
-      </p:sp>
+      </p:pic>
+      <p:pic>
+        <p:nvPicPr>
+          <p:cNvPr id="6" name="Grafik 5">
+            <a:extLst>
+              <a:ext uri="{FF2B5EF4-FFF2-40B4-BE49-F238E27FC236}">
+                <a16:creationId xmlns:a16="http://schemas.microsoft.com/office/drawing/2014/main" id="{8341262A-C1DA-42B4-BFA7-650EA89E5E53}"/>
+              </a:ext>
+            </a:extLst>
+          </p:cNvPr>
+          <p:cNvPicPr>
+            <a:picLocks noChangeAspect="1"/>
+          </p:cNvPicPr>
+          <p:nvPr/>
+        </p:nvPicPr>
+        <p:blipFill>
+          <a:blip r:embed="rId4"/>
+          <a:stretch>
+            <a:fillRect/>
+          </a:stretch>
+        </p:blipFill>
+        <p:spPr>
+          <a:xfrm>
+            <a:off x="140285" y="1238611"/>
+            <a:ext cx="8756374" cy="4380776"/>
+          </a:xfrm>
+          <a:prstGeom prst="rect">
+            <a:avLst/>
+          </a:prstGeom>
+        </p:spPr>
+      </p:pic>
     </p:spTree>
   </p:cSld>
   <p:clrMapOvr>
@@ -28880,22 +28835,6 @@
             <a:r>
               <a:rPr lang="de-AT" sz="2500" dirty="0"/>
               <a:t>Julia </a:t>
-            </a:r>
-            <a:r>
-              <a:rPr lang="de-AT" sz="2500" dirty="0" err="1"/>
-              <a:t>would</a:t>
-            </a:r>
-            <a:r>
-              <a:rPr lang="de-AT" sz="2500" dirty="0"/>
-              <a:t> </a:t>
-            </a:r>
-            <a:r>
-              <a:rPr lang="de-AT" sz="2500" dirty="0" err="1"/>
-              <a:t>have</a:t>
-            </a:r>
-            <a:r>
-              <a:rPr lang="de-AT" sz="2500" dirty="0"/>
-              <a:t> </a:t>
             </a:r>
             <a:r>
               <a:rPr lang="de-AT" sz="2500" dirty="0" err="1"/>
@@ -29035,11 +28974,19 @@
             </a:r>
             <a:r>
               <a:rPr lang="de-AT" sz="2500" dirty="0" err="1"/>
-              <a:t>the</a:t>
+              <a:t>helped</a:t>
             </a:r>
             <a:r>
               <a:rPr lang="de-AT" sz="2500" dirty="0"/>
               <a:t> </a:t>
+            </a:r>
+            <a:r>
+              <a:rPr lang="de-AT" sz="2500" dirty="0" err="1"/>
+              <a:t>to</a:t>
+            </a:r>
+            <a:r>
+              <a:rPr lang="de-AT" sz="2500" dirty="0"/>
+              <a:t> do </a:t>
             </a:r>
             <a:r>
               <a:rPr lang="de-AT" sz="2500" dirty="0" err="1"/>
@@ -29240,21 +29187,6 @@
               <a:rPr lang="de-AT" sz="2500" dirty="0"/>
               <a:t>.</a:t>
             </a:r>
-          </a:p>
-          <a:p>
-            <a:pPr marL="457200" lvl="0" indent="0" algn="l" rtl="0">
-              <a:lnSpc>
-                <a:spcPct val="105000"/>
-              </a:lnSpc>
-              <a:spcBef>
-                <a:spcPts val="0"/>
-              </a:spcBef>
-              <a:spcAft>
-                <a:spcPts val="0"/>
-              </a:spcAft>
-              <a:buNone/>
-            </a:pPr>
-            <a:endParaRPr sz="2500" i="1" dirty="0"/>
           </a:p>
         </p:txBody>
       </p:sp>

--- a/Documents/Release 2/ReleasePräsentation2__Team04.pptx
+++ b/Documents/Release 2/ReleasePräsentation2__Team04.pptx
@@ -261,7 +261,7 @@
       <p15:sldGuideLst xmlns:p15="http://schemas.microsoft.com/office/powerpoint/2012/main"/>
     </p:ext>
     <p:ext uri="http://customooxmlschemas.google.com/">
-      <go:slidesCustomData xmlns:go="http://customooxmlschemas.google.com/" xmlns:p15="http://schemas.microsoft.com/office/powerpoint/2012/main" xmlns:p14="http://schemas.microsoft.com/office/powerpoint/2010/main" xmlns:com="http://schemas.openxmlformats.org/drawingml/2006/compatibility" xmlns:pvml="urn:schemas-microsoft-com:office:powerpoint" xmlns:v="urn:schemas-microsoft-com:vml" xmlns:o="urn:schemas-microsoft-com:office:office" xmlns:dgm="http://schemas.openxmlformats.org/drawingml/2006/diagram" xmlns:c="http://schemas.openxmlformats.org/drawingml/2006/chart" xmlns:mv="urn:schemas-microsoft-com:mac:vml" xmlns:mc="http://schemas.openxmlformats.org/markup-compatibility/2006" xmlns="" r:id="rId15" roundtripDataSignature="AMtx7mhVY14TF5ho6/tC0QF9xxEznTSx8A=="/>
+      <go:slidesCustomData xmlns="" xmlns:mc="http://schemas.openxmlformats.org/markup-compatibility/2006" xmlns:mv="urn:schemas-microsoft-com:mac:vml" xmlns:c="http://schemas.openxmlformats.org/drawingml/2006/chart" xmlns:dgm="http://schemas.openxmlformats.org/drawingml/2006/diagram" xmlns:o="urn:schemas-microsoft-com:office:office" xmlns:v="urn:schemas-microsoft-com:vml" xmlns:pvml="urn:schemas-microsoft-com:office:powerpoint" xmlns:com="http://schemas.openxmlformats.org/drawingml/2006/compatibility" xmlns:p14="http://schemas.microsoft.com/office/powerpoint/2010/main" xmlns:p15="http://schemas.microsoft.com/office/powerpoint/2012/main" xmlns:go="http://customooxmlschemas.google.com/" r:id="rId15" roundtripDataSignature="AMtx7mhVY14TF5ho6/tC0QF9xxEznTSx8A=="/>
     </p:ext>
   </p:extLst>
 </p:presentation>
@@ -29188,6 +29188,102 @@
               <a:t>.</a:t>
             </a:r>
           </a:p>
+          <a:p>
+            <a:pPr marL="457200" lvl="0" indent="-387350" algn="l" rtl="0">
+              <a:lnSpc>
+                <a:spcPct val="105000"/>
+              </a:lnSpc>
+              <a:spcBef>
+                <a:spcPts val="600"/>
+              </a:spcBef>
+              <a:spcAft>
+                <a:spcPts val="0"/>
+              </a:spcAft>
+              <a:buSzPts val="2500"/>
+              <a:buChar char="⬛"/>
+            </a:pPr>
+            <a:r>
+              <a:rPr lang="de-AT" sz="2500" dirty="0" err="1"/>
+              <a:t>We</a:t>
+            </a:r>
+            <a:r>
+              <a:rPr lang="de-AT" sz="2500" dirty="0"/>
+              <a:t> </a:t>
+            </a:r>
+            <a:r>
+              <a:rPr lang="de-AT" sz="2500" dirty="0" err="1"/>
+              <a:t>are</a:t>
+            </a:r>
+            <a:r>
+              <a:rPr lang="de-AT" sz="2500" dirty="0"/>
+              <a:t> not </a:t>
+            </a:r>
+            <a:r>
+              <a:rPr lang="de-AT" sz="2500" dirty="0" err="1"/>
+              <a:t>sure</a:t>
+            </a:r>
+            <a:r>
+              <a:rPr lang="de-AT" sz="2500" dirty="0"/>
+              <a:t> </a:t>
+            </a:r>
+            <a:r>
+              <a:rPr lang="de-AT" sz="2500" dirty="0" err="1"/>
+              <a:t>how</a:t>
+            </a:r>
+            <a:r>
+              <a:rPr lang="de-AT" sz="2500" dirty="0"/>
+              <a:t> </a:t>
+            </a:r>
+            <a:r>
+              <a:rPr lang="de-AT" sz="2500" dirty="0" err="1"/>
+              <a:t>to</a:t>
+            </a:r>
+            <a:r>
+              <a:rPr lang="de-AT" sz="2500" dirty="0"/>
+              <a:t> </a:t>
+            </a:r>
+            <a:r>
+              <a:rPr lang="de-AT" sz="2500" dirty="0" err="1"/>
+              <a:t>test</a:t>
+            </a:r>
+            <a:r>
+              <a:rPr lang="de-AT" sz="2500" dirty="0"/>
+              <a:t> </a:t>
+            </a:r>
+            <a:r>
+              <a:rPr lang="de-AT" sz="2500" dirty="0" err="1"/>
+              <a:t>the</a:t>
+            </a:r>
+            <a:r>
+              <a:rPr lang="de-AT" sz="2500" dirty="0"/>
+              <a:t> swing </a:t>
+            </a:r>
+            <a:r>
+              <a:rPr lang="de-AT" sz="2500" dirty="0" err="1"/>
+              <a:t>applications</a:t>
+            </a:r>
+            <a:r>
+              <a:rPr lang="de-AT" sz="2500" dirty="0"/>
+              <a:t> </a:t>
+            </a:r>
+            <a:r>
+              <a:rPr lang="de-AT" sz="2500" dirty="0" err="1"/>
+              <a:t>with</a:t>
+            </a:r>
+            <a:r>
+              <a:rPr lang="de-AT" sz="2500" dirty="0"/>
+              <a:t> </a:t>
+            </a:r>
+            <a:r>
+              <a:rPr lang="de-AT" sz="2500" dirty="0" err="1"/>
+              <a:t>the</a:t>
+            </a:r>
+            <a:r>
+              <a:rPr lang="de-AT" sz="2500"/>
+              <a:t> Unit Tests.</a:t>
+            </a:r>
+            <a:endParaRPr lang="de-AT" sz="2500" dirty="0"/>
+          </a:p>
         </p:txBody>
       </p:sp>
     </p:spTree>

--- a/Documents/Release 2/ReleasePräsentation2__Team04.pptx
+++ b/Documents/Release 2/ReleasePräsentation2__Team04.pptx
@@ -27562,7 +27562,7 @@
             </a:r>
             <a:r>
               <a:rPr lang="de-AT" sz="2500" dirty="0" err="1"/>
-              <a:t>alredy</a:t>
+              <a:t>already</a:t>
             </a:r>
             <a:r>
               <a:rPr lang="de-AT" sz="2500" dirty="0"/>
@@ -27570,7 +27570,7 @@
             </a:r>
             <a:r>
               <a:rPr lang="de-AT" sz="2500" dirty="0" err="1"/>
-              <a:t>implement</a:t>
+              <a:t>implemented</a:t>
             </a:r>
             <a:r>
               <a:rPr lang="de-AT" sz="2500" dirty="0"/>
@@ -27582,15 +27582,7 @@
             </a:r>
             <a:r>
               <a:rPr lang="de-AT" sz="2500" dirty="0"/>
-              <a:t> </a:t>
-            </a:r>
-            <a:r>
-              <a:rPr lang="de-AT" sz="2500" dirty="0" err="1"/>
-              <a:t>Exemlar</a:t>
-            </a:r>
-            <a:r>
-              <a:rPr lang="de-AT" sz="2500" dirty="0"/>
-              <a:t> Management Tool:</a:t>
+              <a:t> Exemplar Management Tool:</a:t>
             </a:r>
           </a:p>
           <a:p>
@@ -28555,7 +28547,7 @@
             </a:pPr>
             <a:r>
               <a:rPr lang="en-US" sz="2500" dirty="0"/>
-              <a:t>We did calculate the time it would take us to implement the tasks quite accurately. However, there is still room to improve our estimation skills. </a:t>
+              <a:t>We did calculate the effort it would take us to implement the tasks quite accurately. However, there is still room to improve our estimation skills. </a:t>
             </a:r>
             <a:endParaRPr sz="2500" dirty="0"/>
           </a:p>
@@ -28802,8 +28794,8 @@
         </p:nvSpPr>
         <p:spPr>
           <a:xfrm>
-            <a:off x="548268" y="1777395"/>
-            <a:ext cx="7925400" cy="4149900"/>
+            <a:off x="548268" y="1104900"/>
+            <a:ext cx="7925400" cy="4822395"/>
           </a:xfrm>
           <a:prstGeom prst="rect">
             <a:avLst/>
@@ -29279,10 +29271,104 @@
               <a:t>the</a:t>
             </a:r>
             <a:r>
-              <a:rPr lang="de-AT" sz="2500"/>
+              <a:rPr lang="de-AT" sz="2500" dirty="0"/>
               <a:t> Unit Tests.</a:t>
             </a:r>
-            <a:endParaRPr lang="de-AT" sz="2500" dirty="0"/>
+          </a:p>
+          <a:p>
+            <a:pPr marL="457200" lvl="0" indent="-387350" algn="l" rtl="0">
+              <a:lnSpc>
+                <a:spcPct val="105000"/>
+              </a:lnSpc>
+              <a:spcBef>
+                <a:spcPts val="600"/>
+              </a:spcBef>
+              <a:spcAft>
+                <a:spcPts val="0"/>
+              </a:spcAft>
+              <a:buSzPts val="2500"/>
+              <a:buChar char="⬛"/>
+            </a:pPr>
+            <a:r>
+              <a:rPr lang="de-AT" sz="2500" dirty="0" err="1"/>
+              <a:t>What</a:t>
+            </a:r>
+            <a:r>
+              <a:rPr lang="de-AT" sz="2500" dirty="0"/>
+              <a:t> </a:t>
+            </a:r>
+            <a:r>
+              <a:rPr lang="de-AT" sz="2500" dirty="0" err="1"/>
+              <a:t>is</a:t>
+            </a:r>
+            <a:r>
+              <a:rPr lang="de-AT" sz="2500" dirty="0"/>
+              <a:t> </a:t>
+            </a:r>
+            <a:r>
+              <a:rPr lang="de-AT" sz="2500" dirty="0" err="1"/>
+              <a:t>meant</a:t>
+            </a:r>
+            <a:r>
+              <a:rPr lang="de-AT" sz="2500" dirty="0"/>
+              <a:t> </a:t>
+            </a:r>
+            <a:r>
+              <a:rPr lang="de-AT" sz="2500" dirty="0" err="1"/>
+              <a:t>with</a:t>
+            </a:r>
+            <a:r>
+              <a:rPr lang="de-AT" sz="2500" dirty="0"/>
+              <a:t> „</a:t>
+            </a:r>
+            <a:r>
+              <a:rPr lang="de-AT" sz="2500" dirty="0" err="1"/>
+              <a:t>sorting</a:t>
+            </a:r>
+            <a:r>
+              <a:rPr lang="de-AT" sz="2500" dirty="0"/>
+              <a:t> </a:t>
+            </a:r>
+            <a:r>
+              <a:rPr lang="de-AT" sz="2500" dirty="0" err="1"/>
+              <a:t>exemplars</a:t>
+            </a:r>
+            <a:r>
+              <a:rPr lang="de-AT" sz="2500" dirty="0"/>
+              <a:t> </a:t>
+            </a:r>
+            <a:r>
+              <a:rPr lang="de-AT" sz="2500" dirty="0" err="1"/>
+              <a:t>by</a:t>
+            </a:r>
+            <a:r>
+              <a:rPr lang="de-AT" sz="2500" dirty="0"/>
+              <a:t> </a:t>
+            </a:r>
+            <a:r>
+              <a:rPr lang="de-AT" sz="2500" dirty="0" err="1"/>
+              <a:t>number</a:t>
+            </a:r>
+            <a:r>
+              <a:rPr lang="de-AT" sz="2500" dirty="0"/>
+              <a:t> </a:t>
+            </a:r>
+            <a:r>
+              <a:rPr lang="de-AT" sz="2500" dirty="0" err="1"/>
+              <a:t>of</a:t>
+            </a:r>
+            <a:r>
+              <a:rPr lang="de-AT" sz="2500" dirty="0"/>
+              <a:t> </a:t>
+            </a:r>
+            <a:r>
+              <a:rPr lang="de-AT" sz="2500" dirty="0" err="1"/>
+              <a:t>users</a:t>
+            </a:r>
+            <a:r>
+              <a:rPr lang="de-AT" sz="2500" dirty="0"/>
+              <a:t>“</a:t>
+            </a:r>
           </a:p>
         </p:txBody>
       </p:sp>
@@ -29567,145 +29653,6 @@
             <a:noAutofit/>
           </a:bodyPr>
           <a:lstStyle/>
-          <a:p>
-            <a:pPr marL="457200" lvl="0" indent="-387350" algn="l" rtl="0">
-              <a:lnSpc>
-                <a:spcPct val="105000"/>
-              </a:lnSpc>
-              <a:spcBef>
-                <a:spcPts val="600"/>
-              </a:spcBef>
-              <a:spcAft>
-                <a:spcPts val="0"/>
-              </a:spcAft>
-              <a:buSzPts val="2500"/>
-              <a:buChar char="⬛"/>
-            </a:pPr>
-            <a:r>
-              <a:rPr lang="de-AT" sz="2500" dirty="0"/>
-              <a:t>The </a:t>
-            </a:r>
-            <a:r>
-              <a:rPr lang="de-AT" sz="2500" dirty="0" err="1"/>
-              <a:t>next</a:t>
-            </a:r>
-            <a:r>
-              <a:rPr lang="de-AT" sz="2500" dirty="0"/>
-              <a:t> </a:t>
-            </a:r>
-            <a:r>
-              <a:rPr lang="de-AT" sz="2500" dirty="0" err="1"/>
-              <a:t>step</a:t>
-            </a:r>
-            <a:r>
-              <a:rPr lang="de-AT" sz="2500" dirty="0"/>
-              <a:t> </a:t>
-            </a:r>
-            <a:r>
-              <a:rPr lang="de-AT" sz="2500" dirty="0" err="1"/>
-              <a:t>is</a:t>
-            </a:r>
-            <a:r>
-              <a:rPr lang="de-AT" sz="2500" dirty="0"/>
-              <a:t> </a:t>
-            </a:r>
-            <a:r>
-              <a:rPr lang="de-AT" sz="2500" dirty="0" err="1"/>
-              <a:t>to</a:t>
-            </a:r>
-            <a:r>
-              <a:rPr lang="de-AT" sz="2500" dirty="0"/>
-              <a:t> </a:t>
-            </a:r>
-            <a:r>
-              <a:rPr lang="de-AT" sz="2500" dirty="0" err="1"/>
-              <a:t>complete</a:t>
-            </a:r>
-            <a:r>
-              <a:rPr lang="de-AT" sz="2500" dirty="0"/>
-              <a:t> </a:t>
-            </a:r>
-            <a:r>
-              <a:rPr lang="de-AT" sz="2500" dirty="0" err="1"/>
-              <a:t>the</a:t>
-            </a:r>
-            <a:r>
-              <a:rPr lang="de-AT" sz="2500" dirty="0"/>
-              <a:t> Sprint </a:t>
-            </a:r>
-            <a:r>
-              <a:rPr lang="de-AT" sz="2500" dirty="0" err="1"/>
-              <a:t>with</a:t>
-            </a:r>
-            <a:r>
-              <a:rPr lang="de-AT" sz="2500" dirty="0"/>
-              <a:t> </a:t>
-            </a:r>
-            <a:r>
-              <a:rPr lang="de-AT" sz="2500" dirty="0" err="1"/>
-              <a:t>the</a:t>
-            </a:r>
-            <a:r>
-              <a:rPr lang="de-AT" sz="2500" dirty="0"/>
-              <a:t> </a:t>
-            </a:r>
-            <a:r>
-              <a:rPr lang="de-AT" sz="2500" dirty="0" err="1"/>
-              <a:t>implementation</a:t>
-            </a:r>
-            <a:r>
-              <a:rPr lang="de-AT" sz="2500" dirty="0"/>
-              <a:t> </a:t>
-            </a:r>
-            <a:r>
-              <a:rPr lang="de-AT" sz="2500" dirty="0" err="1"/>
-              <a:t>of</a:t>
-            </a:r>
-            <a:r>
-              <a:rPr lang="de-AT" sz="2500" dirty="0"/>
-              <a:t> </a:t>
-            </a:r>
-            <a:r>
-              <a:rPr lang="de-AT" sz="2500" dirty="0" err="1"/>
-              <a:t>the</a:t>
-            </a:r>
-            <a:r>
-              <a:rPr lang="de-AT" sz="2500" dirty="0"/>
-              <a:t> Communities, </a:t>
-            </a:r>
-            <a:r>
-              <a:rPr lang="de-AT" sz="2500" dirty="0" err="1"/>
-              <a:t>which</a:t>
-            </a:r>
-            <a:r>
-              <a:rPr lang="de-AT" sz="2500" dirty="0"/>
-              <a:t> will </a:t>
-            </a:r>
-            <a:r>
-              <a:rPr lang="de-AT" sz="2500" dirty="0" err="1"/>
-              <a:t>be</a:t>
-            </a:r>
-            <a:r>
-              <a:rPr lang="de-AT" sz="2500" dirty="0"/>
-              <a:t> </a:t>
-            </a:r>
-            <a:r>
-              <a:rPr lang="de-AT" sz="2500" dirty="0" err="1"/>
-              <a:t>done</a:t>
-            </a:r>
-            <a:r>
-              <a:rPr lang="de-AT" sz="2500" dirty="0"/>
-              <a:t> </a:t>
-            </a:r>
-            <a:r>
-              <a:rPr lang="de-AT" sz="2500" dirty="0" err="1"/>
-              <a:t>by</a:t>
-            </a:r>
-            <a:r>
-              <a:rPr lang="de-AT" sz="2500" dirty="0"/>
-              <a:t> Julia. </a:t>
-            </a:r>
-          </a:p>
           <a:p>
             <a:pPr marL="457200" lvl="0" indent="-387350" algn="l" rtl="0">
               <a:lnSpc>

--- a/Documents/Release 2/ReleasePräsentation2__Team04.pptx
+++ b/Documents/Release 2/ReleasePräsentation2__Team04.pptx
@@ -261,7 +261,7 @@
       <p15:sldGuideLst xmlns:p15="http://schemas.microsoft.com/office/powerpoint/2012/main"/>
     </p:ext>
     <p:ext uri="http://customooxmlschemas.google.com/">
-      <go:slidesCustomData xmlns="" xmlns:mc="http://schemas.openxmlformats.org/markup-compatibility/2006" xmlns:mv="urn:schemas-microsoft-com:mac:vml" xmlns:c="http://schemas.openxmlformats.org/drawingml/2006/chart" xmlns:dgm="http://schemas.openxmlformats.org/drawingml/2006/diagram" xmlns:o="urn:schemas-microsoft-com:office:office" xmlns:v="urn:schemas-microsoft-com:vml" xmlns:pvml="urn:schemas-microsoft-com:office:powerpoint" xmlns:com="http://schemas.openxmlformats.org/drawingml/2006/compatibility" xmlns:p14="http://schemas.microsoft.com/office/powerpoint/2010/main" xmlns:p15="http://schemas.microsoft.com/office/powerpoint/2012/main" xmlns:go="http://customooxmlschemas.google.com/" r:id="rId15" roundtripDataSignature="AMtx7mhVY14TF5ho6/tC0QF9xxEznTSx8A=="/>
+      <go:slidesCustomData xmlns:go="http://customooxmlschemas.google.com/" xmlns:p15="http://schemas.microsoft.com/office/powerpoint/2012/main" xmlns:p14="http://schemas.microsoft.com/office/powerpoint/2010/main" xmlns:com="http://schemas.openxmlformats.org/drawingml/2006/compatibility" xmlns:pvml="urn:schemas-microsoft-com:office:powerpoint" xmlns:v="urn:schemas-microsoft-com:vml" xmlns:o="urn:schemas-microsoft-com:office:office" xmlns:dgm="http://schemas.openxmlformats.org/drawingml/2006/diagram" xmlns:c="http://schemas.openxmlformats.org/drawingml/2006/chart" xmlns:mv="urn:schemas-microsoft-com:mac:vml" xmlns:mc="http://schemas.openxmlformats.org/markup-compatibility/2006" xmlns="" r:id="rId15" roundtripDataSignature="AMtx7mhVY14TF5ho6/tC0QF9xxEznTSx8A=="/>
     </p:ext>
   </p:extLst>
 </p:presentation>
@@ -26831,7 +26831,7 @@
             </a:pPr>
             <a:r>
               <a:rPr lang="en-US" sz="2500" dirty="0"/>
-              <a:t>current status</a:t>
+              <a:t>Current Status</a:t>
             </a:r>
             <a:endParaRPr sz="2500" dirty="0"/>
           </a:p>
@@ -26865,11 +26865,7 @@
             </a:pPr>
             <a:r>
               <a:rPr lang="de-AT" sz="2500" dirty="0"/>
-              <a:t>prototype </a:t>
-            </a:r>
-            <a:r>
-              <a:rPr lang="de-AT" sz="2500" dirty="0" err="1"/>
-              <a:t>demonstration</a:t>
+              <a:t>Prototype Demonstration</a:t>
             </a:r>
             <a:endParaRPr sz="2500" dirty="0"/>
           </a:p>
@@ -28337,19 +28333,11 @@
             </a:pPr>
             <a:r>
               <a:rPr lang="de-AT" dirty="0" err="1"/>
-              <a:t>current</a:t>
+              <a:t>Current</a:t>
             </a:r>
             <a:r>
               <a:rPr lang="de-AT" dirty="0"/>
-              <a:t> </a:t>
-            </a:r>
-            <a:r>
-              <a:rPr lang="de-AT" dirty="0" err="1"/>
-              <a:t>status</a:t>
-            </a:r>
-            <a:r>
-              <a:rPr lang="de-AT" dirty="0"/>
-              <a:t> (</a:t>
+              <a:t> Status (</a:t>
             </a:r>
             <a:r>
               <a:rPr lang="de-AT" dirty="0" err="1"/>
@@ -28357,15 +28345,7 @@
             </a:r>
             <a:r>
               <a:rPr lang="de-AT" dirty="0"/>
-              <a:t>)+ </a:t>
-            </a:r>
-            <a:r>
-              <a:rPr lang="de-AT" dirty="0" err="1"/>
-              <a:t>progress</a:t>
-            </a:r>
-            <a:r>
-              <a:rPr lang="de-AT" dirty="0"/>
-              <a:t> in Release 2</a:t>
+              <a:t>)+ Progress in Release 2</a:t>
             </a:r>
             <a:endParaRPr dirty="0"/>
           </a:p>
@@ -28962,11 +28942,19 @@
             </a:r>
             <a:r>
               <a:rPr lang="de-AT" sz="2500" dirty="0"/>
-              <a:t> Kevin </a:t>
+              <a:t> </a:t>
             </a:r>
             <a:r>
               <a:rPr lang="de-AT" sz="2500" dirty="0" err="1"/>
-              <a:t>helped</a:t>
+              <a:t>this</a:t>
+            </a:r>
+            <a:r>
+              <a:rPr lang="de-AT" sz="2500" dirty="0"/>
+              <a:t> was not an </a:t>
+            </a:r>
+            <a:r>
+              <a:rPr lang="de-AT" sz="2500" dirty="0" err="1"/>
+              <a:t>issue</a:t>
             </a:r>
             <a:r>
               <a:rPr lang="de-AT" sz="2500" dirty="0"/>
@@ -28974,11 +28962,27 @@
             </a:r>
             <a:r>
               <a:rPr lang="de-AT" sz="2500" dirty="0" err="1"/>
-              <a:t>to</a:t>
+              <a:t>as</a:t>
             </a:r>
             <a:r>
               <a:rPr lang="de-AT" sz="2500" dirty="0"/>
-              <a:t> do </a:t>
+              <a:t> Valentina and Kevin </a:t>
+            </a:r>
+            <a:r>
+              <a:rPr lang="de-AT" sz="2500" dirty="0" err="1"/>
+              <a:t>already</a:t>
+            </a:r>
+            <a:r>
+              <a:rPr lang="de-AT" sz="2500" dirty="0"/>
+              <a:t> </a:t>
+            </a:r>
+            <a:r>
+              <a:rPr lang="de-AT" sz="2500" dirty="0" err="1"/>
+              <a:t>did</a:t>
+            </a:r>
+            <a:r>
+              <a:rPr lang="de-AT" sz="2500" dirty="0"/>
+              <a:t> </a:t>
             </a:r>
             <a:r>
               <a:rPr lang="de-AT" sz="2500" dirty="0" err="1"/>
@@ -28990,15 +28994,7 @@
             </a:r>
             <a:r>
               <a:rPr lang="de-AT" sz="2500" dirty="0" err="1"/>
-              <a:t>job</a:t>
-            </a:r>
-            <a:r>
-              <a:rPr lang="de-AT" sz="2500" dirty="0"/>
-              <a:t> </a:t>
-            </a:r>
-            <a:r>
-              <a:rPr lang="de-AT" sz="2500" dirty="0" err="1"/>
-              <a:t>accurately</a:t>
+              <a:t>course</a:t>
             </a:r>
             <a:r>
               <a:rPr lang="de-AT" sz="2500" dirty="0"/>
@@ -29668,84 +29664,8 @@
               <a:buChar char="⬛"/>
             </a:pPr>
             <a:r>
-              <a:rPr lang="de-AT" sz="2500" dirty="0" err="1"/>
-              <a:t>Since</a:t>
-            </a:r>
-            <a:r>
               <a:rPr lang="de-AT" sz="2500" dirty="0"/>
-              <a:t> </a:t>
-            </a:r>
-            <a:r>
-              <a:rPr lang="de-AT" sz="2500" dirty="0" err="1"/>
-              <a:t>we</a:t>
-            </a:r>
-            <a:r>
-              <a:rPr lang="de-AT" sz="2500" dirty="0"/>
-              <a:t> </a:t>
-            </a:r>
-            <a:r>
-              <a:rPr lang="de-AT" sz="2500" dirty="0" err="1"/>
-              <a:t>are</a:t>
-            </a:r>
-            <a:r>
-              <a:rPr lang="de-AT" sz="2500" dirty="0"/>
-              <a:t> </a:t>
-            </a:r>
-            <a:r>
-              <a:rPr lang="de-AT" sz="2500" dirty="0" err="1"/>
-              <a:t>quite</a:t>
-            </a:r>
-            <a:r>
-              <a:rPr lang="de-AT" sz="2500" dirty="0"/>
-              <a:t> </a:t>
-            </a:r>
-            <a:r>
-              <a:rPr lang="de-AT" sz="2500" dirty="0" err="1"/>
-              <a:t>far</a:t>
-            </a:r>
-            <a:r>
-              <a:rPr lang="de-AT" sz="2500" dirty="0"/>
-              <a:t> </a:t>
-            </a:r>
-            <a:r>
-              <a:rPr lang="de-AT" sz="2500" dirty="0" err="1"/>
-              <a:t>with</a:t>
-            </a:r>
-            <a:r>
-              <a:rPr lang="de-AT" sz="2500" dirty="0"/>
-              <a:t> </a:t>
-            </a:r>
-            <a:r>
-              <a:rPr lang="de-AT" sz="2500" dirty="0" err="1"/>
-              <a:t>the</a:t>
-            </a:r>
-            <a:r>
-              <a:rPr lang="de-AT" sz="2500" dirty="0"/>
-              <a:t> </a:t>
-            </a:r>
-            <a:r>
-              <a:rPr lang="de-AT" sz="2500" dirty="0" err="1"/>
-              <a:t>project</a:t>
-            </a:r>
-            <a:r>
-              <a:rPr lang="de-AT" sz="2500" dirty="0"/>
-              <a:t> </a:t>
-            </a:r>
-            <a:r>
-              <a:rPr lang="de-AT" sz="2500" dirty="0" err="1"/>
-              <a:t>already</a:t>
-            </a:r>
-            <a:r>
-              <a:rPr lang="de-AT" sz="2500" dirty="0"/>
-              <a:t>, </a:t>
-            </a:r>
-            <a:r>
-              <a:rPr lang="de-AT" sz="2500" dirty="0" err="1"/>
-              <a:t>the</a:t>
-            </a:r>
-            <a:r>
-              <a:rPr lang="de-AT" sz="2500" dirty="0"/>
-              <a:t> </a:t>
+              <a:t>The </a:t>
             </a:r>
             <a:r>
               <a:rPr lang="de-AT" sz="2500" dirty="0" err="1"/>
@@ -29766,6 +29686,14 @@
             <a:r>
               <a:rPr lang="de-AT" sz="2500" dirty="0" err="1"/>
               <a:t>be</a:t>
+            </a:r>
+            <a:r>
+              <a:rPr lang="de-AT" sz="2500" dirty="0"/>
+              <a:t> </a:t>
+            </a:r>
+            <a:r>
+              <a:rPr lang="de-AT" sz="2500" dirty="0" err="1"/>
+              <a:t>dedicated</a:t>
             </a:r>
             <a:r>
               <a:rPr lang="de-AT" sz="2500" dirty="0"/>
@@ -29807,9 +29735,44 @@
               <a:rPr lang="de-AT" sz="2500" dirty="0" err="1"/>
               <a:t>requirements</a:t>
             </a:r>
+            <a:endParaRPr lang="de-AT" sz="2500" dirty="0"/>
+          </a:p>
+          <a:p>
+            <a:pPr marL="457200" lvl="0" indent="-387350" algn="l" rtl="0">
+              <a:lnSpc>
+                <a:spcPct val="105000"/>
+              </a:lnSpc>
+              <a:spcBef>
+                <a:spcPts val="600"/>
+              </a:spcBef>
+              <a:spcAft>
+                <a:spcPts val="0"/>
+              </a:spcAft>
+              <a:buSzPts val="2500"/>
+              <a:buChar char="⬛"/>
+            </a:pPr>
             <a:r>
               <a:rPr lang="de-AT" sz="2500" dirty="0"/>
-              <a:t>. </a:t>
+              <a:t>Unit Tests</a:t>
+            </a:r>
+          </a:p>
+          <a:p>
+            <a:pPr marL="457200" lvl="0" indent="-387350" algn="l" rtl="0">
+              <a:lnSpc>
+                <a:spcPct val="105000"/>
+              </a:lnSpc>
+              <a:spcBef>
+                <a:spcPts val="600"/>
+              </a:spcBef>
+              <a:spcAft>
+                <a:spcPts val="0"/>
+              </a:spcAft>
+              <a:buSzPts val="2500"/>
+              <a:buChar char="⬛"/>
+            </a:pPr>
+            <a:r>
+              <a:rPr lang="de-AT" sz="2500" dirty="0" err="1"/>
+              <a:t>Documentation</a:t>
             </a:r>
             <a:endParaRPr sz="2500" dirty="0"/>
           </a:p>
